--- a/Unit_20/Data Storytelling/Data Storytelling.pptx
+++ b/Unit_20/Data Storytelling/Data Storytelling.pptx
@@ -10,10 +10,12 @@
     <p:sldId id="258" r:id="rId4"/>
     <p:sldId id="259" r:id="rId5"/>
     <p:sldId id="264" r:id="rId6"/>
-    <p:sldId id="262" r:id="rId7"/>
-    <p:sldId id="260" r:id="rId8"/>
-    <p:sldId id="263" r:id="rId9"/>
+    <p:sldId id="263" r:id="rId7"/>
+    <p:sldId id="262" r:id="rId8"/>
+    <p:sldId id="260" r:id="rId9"/>
     <p:sldId id="261" r:id="rId10"/>
+    <p:sldId id="266" r:id="rId11"/>
+    <p:sldId id="267" r:id="rId12"/>
   </p:sldIdLst>
   <p:sldSz cx="12192000" cy="6858000"/>
   <p:notesSz cx="6858000" cy="9144000"/>
@@ -306,7 +308,7 @@
             <a:fld id="{8E36636D-D922-432D-A958-524484B5923D}" type="datetimeFigureOut">
               <a:rPr lang="en-US" dirty="0"/>
               <a:pPr/>
-              <a:t>5/25/2021</a:t>
+              <a:t>5/28/2021</a:t>
             </a:fld>
             <a:endParaRPr lang="en-US" dirty="0"/>
           </a:p>
@@ -600,7 +602,7 @@
           <a:p>
             <a:fld id="{48A87A34-81AB-432B-8DAE-1953F412C126}" type="datetimeFigureOut">
               <a:rPr lang="en-US" dirty="0"/>
-              <a:t>5/25/2021</a:t>
+              <a:t>5/28/2021</a:t>
             </a:fld>
             <a:endParaRPr lang="en-US" dirty="0"/>
           </a:p>
@@ -787,7 +789,7 @@
           <a:p>
             <a:fld id="{48A87A34-81AB-432B-8DAE-1953F412C126}" type="datetimeFigureOut">
               <a:rPr lang="en-US" dirty="0"/>
-              <a:t>5/25/2021</a:t>
+              <a:t>5/28/2021</a:t>
             </a:fld>
             <a:endParaRPr lang="en-US" dirty="0"/>
           </a:p>
@@ -1043,7 +1045,7 @@
           <a:p>
             <a:fld id="{48A87A34-81AB-432B-8DAE-1953F412C126}" type="datetimeFigureOut">
               <a:rPr lang="en-US" dirty="0"/>
-              <a:t>5/25/2021</a:t>
+              <a:t>5/28/2021</a:t>
             </a:fld>
             <a:endParaRPr lang="en-US" dirty="0"/>
           </a:p>
@@ -1462,7 +1464,7 @@
           <a:p>
             <a:fld id="{48A87A34-81AB-432B-8DAE-1953F412C126}" type="datetimeFigureOut">
               <a:rPr lang="en-US" dirty="0"/>
-              <a:t>5/25/2021</a:t>
+              <a:t>5/28/2021</a:t>
             </a:fld>
             <a:endParaRPr lang="en-US" dirty="0"/>
           </a:p>
@@ -1994,7 +1996,7 @@
           <a:p>
             <a:fld id="{48A87A34-81AB-432B-8DAE-1953F412C126}" type="datetimeFigureOut">
               <a:rPr lang="en-US" dirty="0"/>
-              <a:t>5/25/2021</a:t>
+              <a:t>5/28/2021</a:t>
             </a:fld>
             <a:endParaRPr lang="en-US" dirty="0"/>
           </a:p>
@@ -2853,7 +2855,7 @@
           <a:p>
             <a:fld id="{48A87A34-81AB-432B-8DAE-1953F412C126}" type="datetimeFigureOut">
               <a:rPr lang="en-US" dirty="0"/>
-              <a:t>5/25/2021</a:t>
+              <a:t>5/28/2021</a:t>
             </a:fld>
             <a:endParaRPr lang="en-US" dirty="0"/>
           </a:p>
@@ -3019,7 +3021,7 @@
             <a:fld id="{8E36636D-D922-432D-A958-524484B5923D}" type="datetimeFigureOut">
               <a:rPr lang="en-US" dirty="0"/>
               <a:pPr/>
-              <a:t>5/25/2021</a:t>
+              <a:t>5/28/2021</a:t>
             </a:fld>
             <a:endParaRPr lang="en-US" dirty="0"/>
           </a:p>
@@ -3200,7 +3202,7 @@
             <a:fld id="{8E36636D-D922-432D-A958-524484B5923D}" type="datetimeFigureOut">
               <a:rPr lang="en-US" dirty="0"/>
               <a:pPr/>
-              <a:t>5/25/2021</a:t>
+              <a:t>5/28/2021</a:t>
             </a:fld>
             <a:endParaRPr lang="en-US" dirty="0"/>
           </a:p>
@@ -3367,7 +3369,7 @@
             <a:fld id="{8E36636D-D922-432D-A958-524484B5923D}" type="datetimeFigureOut">
               <a:rPr lang="en-US" dirty="0"/>
               <a:pPr/>
-              <a:t>5/25/2021</a:t>
+              <a:t>5/28/2021</a:t>
             </a:fld>
             <a:endParaRPr lang="en-US" dirty="0"/>
           </a:p>
@@ -3608,7 +3610,7 @@
             <a:fld id="{8E36636D-D922-432D-A958-524484B5923D}" type="datetimeFigureOut">
               <a:rPr lang="en-US" dirty="0"/>
               <a:pPr/>
-              <a:t>5/25/2021</a:t>
+              <a:t>5/28/2021</a:t>
             </a:fld>
             <a:endParaRPr lang="en-US" dirty="0"/>
           </a:p>
@@ -3841,7 +3843,7 @@
             <a:fld id="{8E36636D-D922-432D-A958-524484B5923D}" type="datetimeFigureOut">
               <a:rPr lang="en-US" dirty="0"/>
               <a:pPr/>
-              <a:t>5/25/2021</a:t>
+              <a:t>5/28/2021</a:t>
             </a:fld>
             <a:endParaRPr lang="en-US" dirty="0"/>
           </a:p>
@@ -4304,7 +4306,7 @@
             <a:fld id="{8E36636D-D922-432D-A958-524484B5923D}" type="datetimeFigureOut">
               <a:rPr lang="en-US" dirty="0"/>
               <a:pPr/>
-              <a:t>5/25/2021</a:t>
+              <a:t>5/28/2021</a:t>
             </a:fld>
             <a:endParaRPr lang="en-US" dirty="0"/>
           </a:p>
@@ -4419,7 +4421,7 @@
             <a:fld id="{8E36636D-D922-432D-A958-524484B5923D}" type="datetimeFigureOut">
               <a:rPr lang="en-US" dirty="0"/>
               <a:pPr/>
-              <a:t>5/25/2021</a:t>
+              <a:t>5/28/2021</a:t>
             </a:fld>
             <a:endParaRPr lang="en-US" dirty="0"/>
           </a:p>
@@ -4511,7 +4513,7 @@
             <a:fld id="{8E36636D-D922-432D-A958-524484B5923D}" type="datetimeFigureOut">
               <a:rPr lang="en-US" dirty="0"/>
               <a:pPr/>
-              <a:t>5/25/2021</a:t>
+              <a:t>5/28/2021</a:t>
             </a:fld>
             <a:endParaRPr lang="en-US" dirty="0"/>
           </a:p>
@@ -4763,7 +4765,7 @@
             <a:fld id="{8E36636D-D922-432D-A958-524484B5923D}" type="datetimeFigureOut">
               <a:rPr lang="en-US" dirty="0"/>
               <a:pPr/>
-              <a:t>5/25/2021</a:t>
+              <a:t>5/28/2021</a:t>
             </a:fld>
             <a:endParaRPr lang="en-US" dirty="0"/>
           </a:p>
@@ -5060,7 +5062,7 @@
             <a:fld id="{8E36636D-D922-432D-A958-524484B5923D}" type="datetimeFigureOut">
               <a:rPr lang="en-US" dirty="0"/>
               <a:pPr/>
-              <a:t>5/25/2021</a:t>
+              <a:t>5/28/2021</a:t>
             </a:fld>
             <a:endParaRPr lang="en-US" dirty="0"/>
           </a:p>
@@ -5291,7 +5293,7 @@
             <a:fld id="{8E36636D-D922-432D-A958-524484B5923D}" type="datetimeFigureOut">
               <a:rPr lang="en-US" dirty="0"/>
               <a:pPr/>
-              <a:t>5/25/2021</a:t>
+              <a:t>5/28/2021</a:t>
             </a:fld>
             <a:endParaRPr lang="en-US" dirty="0"/>
           </a:p>
@@ -6034,6 +6036,338 @@
 </p:sld>
 </file>
 
+<file path=ppt/slides/slide10.xml><?xml version="1.0" encoding="utf-8"?>
+<p:sld xmlns:a="http://schemas.openxmlformats.org/drawingml/2006/main" xmlns:r="http://schemas.openxmlformats.org/officeDocument/2006/relationships" xmlns:p="http://schemas.openxmlformats.org/presentationml/2006/main">
+  <p:cSld>
+    <p:spTree>
+      <p:nvGrpSpPr>
+        <p:cNvPr id="1" name=""/>
+        <p:cNvGrpSpPr/>
+        <p:nvPr/>
+      </p:nvGrpSpPr>
+      <p:grpSpPr>
+        <a:xfrm>
+          <a:off x="0" y="0"/>
+          <a:ext cx="0" cy="0"/>
+          <a:chOff x="0" y="0"/>
+          <a:chExt cx="0" cy="0"/>
+        </a:xfrm>
+      </p:grpSpPr>
+      <p:pic>
+        <p:nvPicPr>
+          <p:cNvPr id="5" name="Picture 4">
+            <a:extLst>
+              <a:ext uri="{FF2B5EF4-FFF2-40B4-BE49-F238E27FC236}">
+                <a16:creationId xmlns:a16="http://schemas.microsoft.com/office/drawing/2014/main" id="{30FD636A-757A-4994-A138-29AF162FD304}"/>
+              </a:ext>
+            </a:extLst>
+          </p:cNvPr>
+          <p:cNvPicPr>
+            <a:picLocks noChangeAspect="1"/>
+          </p:cNvPicPr>
+          <p:nvPr/>
+        </p:nvPicPr>
+        <p:blipFill>
+          <a:blip r:embed="rId2"/>
+          <a:stretch>
+            <a:fillRect/>
+          </a:stretch>
+        </p:blipFill>
+        <p:spPr>
+          <a:xfrm>
+            <a:off x="2300823" y="162653"/>
+            <a:ext cx="7590353" cy="6308757"/>
+          </a:xfrm>
+          <a:prstGeom prst="rect">
+            <a:avLst/>
+          </a:prstGeom>
+        </p:spPr>
+      </p:pic>
+      <p:sp>
+        <p:nvSpPr>
+          <p:cNvPr id="6" name="TextBox 5">
+            <a:extLst>
+              <a:ext uri="{FF2B5EF4-FFF2-40B4-BE49-F238E27FC236}">
+                <a16:creationId xmlns:a16="http://schemas.microsoft.com/office/drawing/2014/main" id="{BD03F9BE-3EB7-44DF-B25C-B1DE472FF35A}"/>
+              </a:ext>
+            </a:extLst>
+          </p:cNvPr>
+          <p:cNvSpPr txBox="1"/>
+          <p:nvPr/>
+        </p:nvSpPr>
+        <p:spPr>
+          <a:xfrm>
+            <a:off x="7495781" y="505000"/>
+            <a:ext cx="2176725" cy="523220"/>
+          </a:xfrm>
+          <a:prstGeom prst="rect">
+            <a:avLst/>
+          </a:prstGeom>
+        </p:spPr>
+        <p:style>
+          <a:lnRef idx="0">
+            <a:schemeClr val="dk1"/>
+          </a:lnRef>
+          <a:fillRef idx="3">
+            <a:schemeClr val="dk1"/>
+          </a:fillRef>
+          <a:effectRef idx="3">
+            <a:schemeClr val="dk1"/>
+          </a:effectRef>
+          <a:fontRef idx="minor">
+            <a:schemeClr val="lt1"/>
+          </a:fontRef>
+        </p:style>
+        <p:txBody>
+          <a:bodyPr wrap="square" rtlCol="0">
+            <a:spAutoFit/>
+          </a:bodyPr>
+          <a:lstStyle/>
+          <a:p>
+            <a:pPr algn="ctr"/>
+            <a:r>
+              <a:rPr lang="en-US" sz="1400" dirty="0">
+                <a:solidFill>
+                  <a:schemeClr val="tx1"/>
+                </a:solidFill>
+              </a:rPr>
+              <a:t>Size of circles indicates # of tickets at that location</a:t>
+            </a:r>
+          </a:p>
+        </p:txBody>
+      </p:sp>
+      <p:sp>
+        <p:nvSpPr>
+          <p:cNvPr id="7" name="TextBox 6">
+            <a:extLst>
+              <a:ext uri="{FF2B5EF4-FFF2-40B4-BE49-F238E27FC236}">
+                <a16:creationId xmlns:a16="http://schemas.microsoft.com/office/drawing/2014/main" id="{6E02793C-3D38-479B-A145-18CE014E5FC0}"/>
+              </a:ext>
+            </a:extLst>
+          </p:cNvPr>
+          <p:cNvSpPr txBox="1"/>
+          <p:nvPr/>
+        </p:nvSpPr>
+        <p:spPr>
+          <a:xfrm>
+            <a:off x="6954473" y="5614336"/>
+            <a:ext cx="2759977" cy="738664"/>
+          </a:xfrm>
+          <a:prstGeom prst="rect">
+            <a:avLst/>
+          </a:prstGeom>
+        </p:spPr>
+        <p:style>
+          <a:lnRef idx="0">
+            <a:schemeClr val="dk1"/>
+          </a:lnRef>
+          <a:fillRef idx="3">
+            <a:schemeClr val="dk1"/>
+          </a:fillRef>
+          <a:effectRef idx="3">
+            <a:schemeClr val="dk1"/>
+          </a:effectRef>
+          <a:fontRef idx="minor">
+            <a:schemeClr val="lt1"/>
+          </a:fontRef>
+        </p:style>
+        <p:txBody>
+          <a:bodyPr wrap="square" rtlCol="0">
+            <a:spAutoFit/>
+          </a:bodyPr>
+          <a:lstStyle/>
+          <a:p>
+            <a:pPr algn="ctr"/>
+            <a:r>
+              <a:rPr lang="en-US" sz="1400" dirty="0">
+                <a:solidFill>
+                  <a:schemeClr val="tx1"/>
+                </a:solidFill>
+              </a:rPr>
+              <a:t>Cameras with highest proportion of &gt;25 MPH tickets mostly in Wards 7, 8 &amp; 5 </a:t>
+            </a:r>
+          </a:p>
+        </p:txBody>
+      </p:sp>
+    </p:spTree>
+    <p:extLst>
+      <p:ext uri="{BB962C8B-B14F-4D97-AF65-F5344CB8AC3E}">
+        <p14:creationId xmlns:p14="http://schemas.microsoft.com/office/powerpoint/2010/main" val="366313936"/>
+      </p:ext>
+    </p:extLst>
+  </p:cSld>
+  <p:clrMapOvr>
+    <a:masterClrMapping/>
+  </p:clrMapOvr>
+</p:sld>
+</file>
+
+<file path=ppt/slides/slide11.xml><?xml version="1.0" encoding="utf-8"?>
+<p:sld xmlns:a="http://schemas.openxmlformats.org/drawingml/2006/main" xmlns:r="http://schemas.openxmlformats.org/officeDocument/2006/relationships" xmlns:p="http://schemas.openxmlformats.org/presentationml/2006/main">
+  <p:cSld>
+    <p:spTree>
+      <p:nvGrpSpPr>
+        <p:cNvPr id="1" name=""/>
+        <p:cNvGrpSpPr/>
+        <p:nvPr/>
+      </p:nvGrpSpPr>
+      <p:grpSpPr>
+        <a:xfrm>
+          <a:off x="0" y="0"/>
+          <a:ext cx="0" cy="0"/>
+          <a:chOff x="0" y="0"/>
+          <a:chExt cx="0" cy="0"/>
+        </a:xfrm>
+      </p:grpSpPr>
+      <p:pic>
+        <p:nvPicPr>
+          <p:cNvPr id="4" name="Picture 3">
+            <a:extLst>
+              <a:ext uri="{FF2B5EF4-FFF2-40B4-BE49-F238E27FC236}">
+                <a16:creationId xmlns:a16="http://schemas.microsoft.com/office/drawing/2014/main" id="{B2C05E2F-AD75-47C6-B196-2350F9998A32}"/>
+              </a:ext>
+            </a:extLst>
+          </p:cNvPr>
+          <p:cNvPicPr>
+            <a:picLocks noChangeAspect="1"/>
+          </p:cNvPicPr>
+          <p:nvPr/>
+        </p:nvPicPr>
+        <p:blipFill>
+          <a:blip r:embed="rId2"/>
+          <a:stretch>
+            <a:fillRect/>
+          </a:stretch>
+        </p:blipFill>
+        <p:spPr>
+          <a:xfrm>
+            <a:off x="2189994" y="103718"/>
+            <a:ext cx="7812011" cy="6381057"/>
+          </a:xfrm>
+          <a:prstGeom prst="rect">
+            <a:avLst/>
+          </a:prstGeom>
+        </p:spPr>
+      </p:pic>
+      <p:sp>
+        <p:nvSpPr>
+          <p:cNvPr id="5" name="TextBox 4">
+            <a:extLst>
+              <a:ext uri="{FF2B5EF4-FFF2-40B4-BE49-F238E27FC236}">
+                <a16:creationId xmlns:a16="http://schemas.microsoft.com/office/drawing/2014/main" id="{8D1B4818-AC2E-4CBB-8479-A9465BEE5F47}"/>
+              </a:ext>
+            </a:extLst>
+          </p:cNvPr>
+          <p:cNvSpPr txBox="1"/>
+          <p:nvPr/>
+        </p:nvSpPr>
+        <p:spPr>
+          <a:xfrm>
+            <a:off x="7495781" y="505000"/>
+            <a:ext cx="2176725" cy="523220"/>
+          </a:xfrm>
+          <a:prstGeom prst="rect">
+            <a:avLst/>
+          </a:prstGeom>
+        </p:spPr>
+        <p:style>
+          <a:lnRef idx="0">
+            <a:schemeClr val="dk1"/>
+          </a:lnRef>
+          <a:fillRef idx="3">
+            <a:schemeClr val="dk1"/>
+          </a:fillRef>
+          <a:effectRef idx="3">
+            <a:schemeClr val="dk1"/>
+          </a:effectRef>
+          <a:fontRef idx="minor">
+            <a:schemeClr val="lt1"/>
+          </a:fontRef>
+        </p:style>
+        <p:txBody>
+          <a:bodyPr wrap="square" rtlCol="0">
+            <a:spAutoFit/>
+          </a:bodyPr>
+          <a:lstStyle/>
+          <a:p>
+            <a:pPr algn="ctr"/>
+            <a:r>
+              <a:rPr lang="en-US" sz="1400" dirty="0">
+                <a:solidFill>
+                  <a:schemeClr val="tx1"/>
+                </a:solidFill>
+              </a:rPr>
+              <a:t>Size of circles indicates # of tickets at that location</a:t>
+            </a:r>
+          </a:p>
+        </p:txBody>
+      </p:sp>
+      <p:sp>
+        <p:nvSpPr>
+          <p:cNvPr id="6" name="TextBox 5">
+            <a:extLst>
+              <a:ext uri="{FF2B5EF4-FFF2-40B4-BE49-F238E27FC236}">
+                <a16:creationId xmlns:a16="http://schemas.microsoft.com/office/drawing/2014/main" id="{834539E3-73B4-4B35-BBCC-FE5E3A7229BA}"/>
+              </a:ext>
+            </a:extLst>
+          </p:cNvPr>
+          <p:cNvSpPr txBox="1"/>
+          <p:nvPr/>
+        </p:nvSpPr>
+        <p:spPr>
+          <a:xfrm>
+            <a:off x="7495780" y="5539793"/>
+            <a:ext cx="2176725" cy="738664"/>
+          </a:xfrm>
+          <a:prstGeom prst="rect">
+            <a:avLst/>
+          </a:prstGeom>
+        </p:spPr>
+        <p:style>
+          <a:lnRef idx="0">
+            <a:schemeClr val="dk1"/>
+          </a:lnRef>
+          <a:fillRef idx="3">
+            <a:schemeClr val="dk1"/>
+          </a:fillRef>
+          <a:effectRef idx="3">
+            <a:schemeClr val="dk1"/>
+          </a:effectRef>
+          <a:fontRef idx="minor">
+            <a:schemeClr val="lt1"/>
+          </a:fontRef>
+        </p:style>
+        <p:txBody>
+          <a:bodyPr wrap="square" rtlCol="0">
+            <a:spAutoFit/>
+          </a:bodyPr>
+          <a:lstStyle/>
+          <a:p>
+            <a:pPr algn="ctr"/>
+            <a:r>
+              <a:rPr lang="en-US" sz="1400" dirty="0">
+                <a:solidFill>
+                  <a:schemeClr val="tx1"/>
+                </a:solidFill>
+              </a:rPr>
+              <a:t>Cameras with highest proportion of &gt;20 MPH tickets are in Wards 7 &amp; 8</a:t>
+            </a:r>
+          </a:p>
+        </p:txBody>
+      </p:sp>
+    </p:spTree>
+    <p:extLst>
+      <p:ext uri="{BB962C8B-B14F-4D97-AF65-F5344CB8AC3E}">
+        <p14:creationId xmlns:p14="http://schemas.microsoft.com/office/powerpoint/2010/main" val="3711377578"/>
+      </p:ext>
+    </p:extLst>
+  </p:cSld>
+  <p:clrMapOvr>
+    <a:masterClrMapping/>
+  </p:clrMapOvr>
+</p:sld>
+</file>
+
 <file path=ppt/slides/slide2.xml><?xml version="1.0" encoding="utf-8"?>
 <p:sld xmlns:a="http://schemas.openxmlformats.org/drawingml/2006/main" xmlns:r="http://schemas.openxmlformats.org/officeDocument/2006/relationships" xmlns:p="http://schemas.openxmlformats.org/presentationml/2006/main">
   <p:cSld>
@@ -6121,7 +6455,19 @@
           <a:p>
             <a:r>
               <a:rPr lang="en-US" dirty="0"/>
+              <a:t>Does the introduction of a speed camera lead to a bunch of tickets initially, then level off?</a:t>
+            </a:r>
+          </a:p>
+          <a:p>
+            <a:r>
+              <a:rPr lang="en-US" dirty="0"/>
               <a:t>Do some wards see more automatic traffic violations than others?</a:t>
+            </a:r>
+          </a:p>
+          <a:p>
+            <a:r>
+              <a:rPr lang="en-US" dirty="0"/>
+              <a:t>Do some wards see a greater proportion of extremely high speed violations that others?</a:t>
             </a:r>
           </a:p>
         </p:txBody>
@@ -6520,12 +6866,48 @@
           <a:chExt cx="0" cy="0"/>
         </a:xfrm>
       </p:grpSpPr>
+      <p:sp>
+        <p:nvSpPr>
+          <p:cNvPr id="7" name="TextBox 6">
+            <a:extLst>
+              <a:ext uri="{FF2B5EF4-FFF2-40B4-BE49-F238E27FC236}">
+                <a16:creationId xmlns:a16="http://schemas.microsoft.com/office/drawing/2014/main" id="{60B09D72-FA01-48C5-B84E-96F348C3D583}"/>
+              </a:ext>
+            </a:extLst>
+          </p:cNvPr>
+          <p:cNvSpPr txBox="1"/>
+          <p:nvPr/>
+        </p:nvSpPr>
+        <p:spPr>
+          <a:xfrm>
+            <a:off x="10993099" y="5878523"/>
+            <a:ext cx="1198901" cy="923330"/>
+          </a:xfrm>
+          <a:prstGeom prst="rect">
+            <a:avLst/>
+          </a:prstGeom>
+          <a:noFill/>
+        </p:spPr>
+        <p:txBody>
+          <a:bodyPr wrap="square" rtlCol="0">
+            <a:spAutoFit/>
+          </a:bodyPr>
+          <a:lstStyle/>
+          <a:p>
+            <a:pPr algn="ctr"/>
+            <a:r>
+              <a:rPr lang="en-US" dirty="0"/>
+              <a:t>*Missing October 2018 Data</a:t>
+            </a:r>
+          </a:p>
+        </p:txBody>
+      </p:sp>
       <p:pic>
         <p:nvPicPr>
-          <p:cNvPr id="4" name="Picture 3">
+          <p:cNvPr id="3" name="Picture 2">
             <a:extLst>
               <a:ext uri="{FF2B5EF4-FFF2-40B4-BE49-F238E27FC236}">
-                <a16:creationId xmlns:a16="http://schemas.microsoft.com/office/drawing/2014/main" id="{36806653-FCDC-420A-BBBB-91FEA5864E50}"/>
+                <a16:creationId xmlns:a16="http://schemas.microsoft.com/office/drawing/2014/main" id="{E644404A-1774-4DF7-B194-F8070701E5C4}"/>
               </a:ext>
             </a:extLst>
           </p:cNvPr>
@@ -6542,8 +6924,8 @@
         </p:blipFill>
         <p:spPr>
           <a:xfrm>
-            <a:off x="1040844" y="174375"/>
-            <a:ext cx="9936620" cy="6397190"/>
+            <a:off x="1271277" y="238937"/>
+            <a:ext cx="9649446" cy="6380126"/>
           </a:xfrm>
           <a:prstGeom prst="rect">
             <a:avLst/>
@@ -6552,10 +6934,10 @@
       </p:pic>
       <p:sp>
         <p:nvSpPr>
-          <p:cNvPr id="7" name="TextBox 6">
+          <p:cNvPr id="6" name="TextBox 5">
             <a:extLst>
               <a:ext uri="{FF2B5EF4-FFF2-40B4-BE49-F238E27FC236}">
-                <a16:creationId xmlns:a16="http://schemas.microsoft.com/office/drawing/2014/main" id="{60B09D72-FA01-48C5-B84E-96F348C3D583}"/>
+                <a16:creationId xmlns:a16="http://schemas.microsoft.com/office/drawing/2014/main" id="{66233678-C504-41A0-8BBB-AA368C52F79A}"/>
               </a:ext>
             </a:extLst>
           </p:cNvPr>
@@ -6564,14 +6946,27 @@
         </p:nvSpPr>
         <p:spPr>
           <a:xfrm>
-            <a:off x="10993099" y="5878523"/>
-            <a:ext cx="1198901" cy="923330"/>
+            <a:off x="1975825" y="614057"/>
+            <a:ext cx="2176725" cy="738664"/>
           </a:xfrm>
           <a:prstGeom prst="rect">
             <a:avLst/>
           </a:prstGeom>
-          <a:noFill/>
-        </p:spPr>
+        </p:spPr>
+        <p:style>
+          <a:lnRef idx="0">
+            <a:schemeClr val="dk1"/>
+          </a:lnRef>
+          <a:fillRef idx="3">
+            <a:schemeClr val="dk1"/>
+          </a:fillRef>
+          <a:effectRef idx="3">
+            <a:schemeClr val="dk1"/>
+          </a:effectRef>
+          <a:fontRef idx="minor">
+            <a:schemeClr val="lt1"/>
+          </a:fontRef>
+        </p:style>
         <p:txBody>
           <a:bodyPr wrap="square" rtlCol="0">
             <a:spAutoFit/>
@@ -6580,8 +6975,12 @@
           <a:p>
             <a:pPr algn="ctr"/>
             <a:r>
-              <a:rPr lang="en-US" dirty="0"/>
-              <a:t>*Missing October 2018 Data</a:t>
+              <a:rPr lang="en-US" sz="1400" dirty="0">
+                <a:solidFill>
+                  <a:schemeClr val="tx1"/>
+                </a:solidFill>
+              </a:rPr>
+              <a:t>Huge Spike in tickets at DC 295 Exit 1 when it is introduced summer 2019</a:t>
             </a:r>
           </a:p>
         </p:txBody>
@@ -6618,6 +7017,189 @@
       </p:grpSpPr>
       <p:sp>
         <p:nvSpPr>
+          <p:cNvPr id="2" name="Title 1">
+            <a:extLst>
+              <a:ext uri="{FF2B5EF4-FFF2-40B4-BE49-F238E27FC236}">
+                <a16:creationId xmlns:a16="http://schemas.microsoft.com/office/drawing/2014/main" id="{581E8E39-FEAF-4051-8077-1EDA1CE165D5}"/>
+              </a:ext>
+            </a:extLst>
+          </p:cNvPr>
+          <p:cNvSpPr>
+            <a:spLocks noGrp="1"/>
+          </p:cNvSpPr>
+          <p:nvPr>
+            <p:ph type="title"/>
+          </p:nvPr>
+        </p:nvSpPr>
+        <p:spPr>
+          <a:xfrm>
+            <a:off x="639337" y="517812"/>
+            <a:ext cx="10353762" cy="970450"/>
+          </a:xfrm>
+        </p:spPr>
+        <p:txBody>
+          <a:bodyPr/>
+          <a:lstStyle/>
+          <a:p>
+            <a:r>
+              <a:rPr lang="en-US" dirty="0"/>
+              <a:t>DC Moving Violations 2018-2020</a:t>
+            </a:r>
+          </a:p>
+        </p:txBody>
+      </p:sp>
+      <p:sp>
+        <p:nvSpPr>
+          <p:cNvPr id="6" name="TextBox 5">
+            <a:extLst>
+              <a:ext uri="{FF2B5EF4-FFF2-40B4-BE49-F238E27FC236}">
+                <a16:creationId xmlns:a16="http://schemas.microsoft.com/office/drawing/2014/main" id="{DCF4FF16-6C8A-4861-B739-0A1E31582C3E}"/>
+              </a:ext>
+            </a:extLst>
+          </p:cNvPr>
+          <p:cNvSpPr txBox="1"/>
+          <p:nvPr/>
+        </p:nvSpPr>
+        <p:spPr>
+          <a:xfrm>
+            <a:off x="10993099" y="5878523"/>
+            <a:ext cx="1198901" cy="923330"/>
+          </a:xfrm>
+          <a:prstGeom prst="rect">
+            <a:avLst/>
+          </a:prstGeom>
+          <a:noFill/>
+        </p:spPr>
+        <p:txBody>
+          <a:bodyPr wrap="square" rtlCol="0">
+            <a:spAutoFit/>
+          </a:bodyPr>
+          <a:lstStyle/>
+          <a:p>
+            <a:pPr algn="ctr"/>
+            <a:r>
+              <a:rPr lang="en-US" dirty="0"/>
+              <a:t>*Missing October 2018 Data</a:t>
+            </a:r>
+          </a:p>
+        </p:txBody>
+      </p:sp>
+      <p:pic>
+        <p:nvPicPr>
+          <p:cNvPr id="8" name="Picture 7">
+            <a:extLst>
+              <a:ext uri="{FF2B5EF4-FFF2-40B4-BE49-F238E27FC236}">
+                <a16:creationId xmlns:a16="http://schemas.microsoft.com/office/drawing/2014/main" id="{5B3F91EB-35A3-4577-BA61-5795203D877E}"/>
+              </a:ext>
+            </a:extLst>
+          </p:cNvPr>
+          <p:cNvPicPr>
+            <a:picLocks noChangeAspect="1"/>
+          </p:cNvPicPr>
+          <p:nvPr/>
+        </p:nvPicPr>
+        <p:blipFill>
+          <a:blip r:embed="rId2"/>
+          <a:stretch>
+            <a:fillRect/>
+          </a:stretch>
+        </p:blipFill>
+        <p:spPr>
+          <a:xfrm>
+            <a:off x="1783129" y="1643708"/>
+            <a:ext cx="8306959" cy="4696480"/>
+          </a:xfrm>
+          <a:prstGeom prst="rect">
+            <a:avLst/>
+          </a:prstGeom>
+        </p:spPr>
+      </p:pic>
+      <p:sp>
+        <p:nvSpPr>
+          <p:cNvPr id="9" name="TextBox 8">
+            <a:extLst>
+              <a:ext uri="{FF2B5EF4-FFF2-40B4-BE49-F238E27FC236}">
+                <a16:creationId xmlns:a16="http://schemas.microsoft.com/office/drawing/2014/main" id="{7B944955-2705-4859-8770-A34EA9EAA895}"/>
+              </a:ext>
+            </a:extLst>
+          </p:cNvPr>
+          <p:cNvSpPr txBox="1"/>
+          <p:nvPr/>
+        </p:nvSpPr>
+        <p:spPr>
+          <a:xfrm>
+            <a:off x="7659149" y="1988191"/>
+            <a:ext cx="2139193" cy="738664"/>
+          </a:xfrm>
+          <a:prstGeom prst="rect">
+            <a:avLst/>
+          </a:prstGeom>
+          <a:ln/>
+        </p:spPr>
+        <p:style>
+          <a:lnRef idx="0">
+            <a:schemeClr val="dk1"/>
+          </a:lnRef>
+          <a:fillRef idx="3">
+            <a:schemeClr val="dk1"/>
+          </a:fillRef>
+          <a:effectRef idx="3">
+            <a:schemeClr val="dk1"/>
+          </a:effectRef>
+          <a:fontRef idx="minor">
+            <a:schemeClr val="lt1"/>
+          </a:fontRef>
+        </p:style>
+        <p:txBody>
+          <a:bodyPr wrap="square" rtlCol="0">
+            <a:spAutoFit/>
+          </a:bodyPr>
+          <a:lstStyle/>
+          <a:p>
+            <a:pPr algn="ctr"/>
+            <a:r>
+              <a:rPr lang="en-US" sz="1400" dirty="0">
+                <a:solidFill>
+                  <a:schemeClr val="tx1"/>
+                </a:solidFill>
+              </a:rPr>
+              <a:t>Automated tickets make up the majority of traffic tickets in DC</a:t>
+            </a:r>
+          </a:p>
+        </p:txBody>
+      </p:sp>
+    </p:spTree>
+    <p:extLst>
+      <p:ext uri="{BB962C8B-B14F-4D97-AF65-F5344CB8AC3E}">
+        <p14:creationId xmlns:p14="http://schemas.microsoft.com/office/powerpoint/2010/main" val="1714903774"/>
+      </p:ext>
+    </p:extLst>
+  </p:cSld>
+  <p:clrMapOvr>
+    <a:masterClrMapping/>
+  </p:clrMapOvr>
+</p:sld>
+</file>
+
+<file path=ppt/slides/slide7.xml><?xml version="1.0" encoding="utf-8"?>
+<p:sld xmlns:a="http://schemas.openxmlformats.org/drawingml/2006/main" xmlns:r="http://schemas.openxmlformats.org/officeDocument/2006/relationships" xmlns:p="http://schemas.openxmlformats.org/presentationml/2006/main">
+  <p:cSld>
+    <p:spTree>
+      <p:nvGrpSpPr>
+        <p:cNvPr id="1" name=""/>
+        <p:cNvGrpSpPr/>
+        <p:nvPr/>
+      </p:nvGrpSpPr>
+      <p:grpSpPr>
+        <a:xfrm>
+          <a:off x="0" y="0"/>
+          <a:ext cx="0" cy="0"/>
+          <a:chOff x="0" y="0"/>
+          <a:chExt cx="0" cy="0"/>
+        </a:xfrm>
+      </p:grpSpPr>
+      <p:sp>
+        <p:nvSpPr>
           <p:cNvPr id="8" name="TextBox 7">
             <a:extLst>
               <a:ext uri="{FF2B5EF4-FFF2-40B4-BE49-F238E27FC236}">
@@ -7001,7 +7583,7 @@
 </p:sld>
 </file>
 
-<file path=ppt/slides/slide7.xml><?xml version="1.0" encoding="utf-8"?>
+<file path=ppt/slides/slide8.xml><?xml version="1.0" encoding="utf-8"?>
 <p:sld xmlns:a="http://schemas.openxmlformats.org/drawingml/2006/main" xmlns:r="http://schemas.openxmlformats.org/officeDocument/2006/relationships" xmlns:p="http://schemas.openxmlformats.org/presentationml/2006/main">
   <p:cSld>
     <p:spTree>
@@ -7293,189 +7875,6 @@
     <p:extLst>
       <p:ext uri="{BB962C8B-B14F-4D97-AF65-F5344CB8AC3E}">
         <p14:creationId xmlns:p14="http://schemas.microsoft.com/office/powerpoint/2010/main" val="1040674840"/>
-      </p:ext>
-    </p:extLst>
-  </p:cSld>
-  <p:clrMapOvr>
-    <a:masterClrMapping/>
-  </p:clrMapOvr>
-</p:sld>
-</file>
-
-<file path=ppt/slides/slide8.xml><?xml version="1.0" encoding="utf-8"?>
-<p:sld xmlns:a="http://schemas.openxmlformats.org/drawingml/2006/main" xmlns:r="http://schemas.openxmlformats.org/officeDocument/2006/relationships" xmlns:p="http://schemas.openxmlformats.org/presentationml/2006/main">
-  <p:cSld>
-    <p:spTree>
-      <p:nvGrpSpPr>
-        <p:cNvPr id="1" name=""/>
-        <p:cNvGrpSpPr/>
-        <p:nvPr/>
-      </p:nvGrpSpPr>
-      <p:grpSpPr>
-        <a:xfrm>
-          <a:off x="0" y="0"/>
-          <a:ext cx="0" cy="0"/>
-          <a:chOff x="0" y="0"/>
-          <a:chExt cx="0" cy="0"/>
-        </a:xfrm>
-      </p:grpSpPr>
-      <p:sp>
-        <p:nvSpPr>
-          <p:cNvPr id="2" name="Title 1">
-            <a:extLst>
-              <a:ext uri="{FF2B5EF4-FFF2-40B4-BE49-F238E27FC236}">
-                <a16:creationId xmlns:a16="http://schemas.microsoft.com/office/drawing/2014/main" id="{581E8E39-FEAF-4051-8077-1EDA1CE165D5}"/>
-              </a:ext>
-            </a:extLst>
-          </p:cNvPr>
-          <p:cNvSpPr>
-            <a:spLocks noGrp="1"/>
-          </p:cNvSpPr>
-          <p:nvPr>
-            <p:ph type="title"/>
-          </p:nvPr>
-        </p:nvSpPr>
-        <p:spPr>
-          <a:xfrm>
-            <a:off x="639337" y="517812"/>
-            <a:ext cx="10353762" cy="970450"/>
-          </a:xfrm>
-        </p:spPr>
-        <p:txBody>
-          <a:bodyPr/>
-          <a:lstStyle/>
-          <a:p>
-            <a:r>
-              <a:rPr lang="en-US" dirty="0"/>
-              <a:t>DC Moving Violations 2018-2020</a:t>
-            </a:r>
-          </a:p>
-        </p:txBody>
-      </p:sp>
-      <p:sp>
-        <p:nvSpPr>
-          <p:cNvPr id="6" name="TextBox 5">
-            <a:extLst>
-              <a:ext uri="{FF2B5EF4-FFF2-40B4-BE49-F238E27FC236}">
-                <a16:creationId xmlns:a16="http://schemas.microsoft.com/office/drawing/2014/main" id="{DCF4FF16-6C8A-4861-B739-0A1E31582C3E}"/>
-              </a:ext>
-            </a:extLst>
-          </p:cNvPr>
-          <p:cNvSpPr txBox="1"/>
-          <p:nvPr/>
-        </p:nvSpPr>
-        <p:spPr>
-          <a:xfrm>
-            <a:off x="10993099" y="5878523"/>
-            <a:ext cx="1198901" cy="923330"/>
-          </a:xfrm>
-          <a:prstGeom prst="rect">
-            <a:avLst/>
-          </a:prstGeom>
-          <a:noFill/>
-        </p:spPr>
-        <p:txBody>
-          <a:bodyPr wrap="square" rtlCol="0">
-            <a:spAutoFit/>
-          </a:bodyPr>
-          <a:lstStyle/>
-          <a:p>
-            <a:pPr algn="ctr"/>
-            <a:r>
-              <a:rPr lang="en-US" dirty="0"/>
-              <a:t>*Missing October 2018 Data</a:t>
-            </a:r>
-          </a:p>
-        </p:txBody>
-      </p:sp>
-      <p:pic>
-        <p:nvPicPr>
-          <p:cNvPr id="8" name="Picture 7">
-            <a:extLst>
-              <a:ext uri="{FF2B5EF4-FFF2-40B4-BE49-F238E27FC236}">
-                <a16:creationId xmlns:a16="http://schemas.microsoft.com/office/drawing/2014/main" id="{5B3F91EB-35A3-4577-BA61-5795203D877E}"/>
-              </a:ext>
-            </a:extLst>
-          </p:cNvPr>
-          <p:cNvPicPr>
-            <a:picLocks noChangeAspect="1"/>
-          </p:cNvPicPr>
-          <p:nvPr/>
-        </p:nvPicPr>
-        <p:blipFill>
-          <a:blip r:embed="rId2"/>
-          <a:stretch>
-            <a:fillRect/>
-          </a:stretch>
-        </p:blipFill>
-        <p:spPr>
-          <a:xfrm>
-            <a:off x="1783129" y="1643708"/>
-            <a:ext cx="8306959" cy="4696480"/>
-          </a:xfrm>
-          <a:prstGeom prst="rect">
-            <a:avLst/>
-          </a:prstGeom>
-        </p:spPr>
-      </p:pic>
-      <p:sp>
-        <p:nvSpPr>
-          <p:cNvPr id="9" name="TextBox 8">
-            <a:extLst>
-              <a:ext uri="{FF2B5EF4-FFF2-40B4-BE49-F238E27FC236}">
-                <a16:creationId xmlns:a16="http://schemas.microsoft.com/office/drawing/2014/main" id="{7B944955-2705-4859-8770-A34EA9EAA895}"/>
-              </a:ext>
-            </a:extLst>
-          </p:cNvPr>
-          <p:cNvSpPr txBox="1"/>
-          <p:nvPr/>
-        </p:nvSpPr>
-        <p:spPr>
-          <a:xfrm>
-            <a:off x="7659149" y="1988191"/>
-            <a:ext cx="2139193" cy="738664"/>
-          </a:xfrm>
-          <a:prstGeom prst="rect">
-            <a:avLst/>
-          </a:prstGeom>
-          <a:ln/>
-        </p:spPr>
-        <p:style>
-          <a:lnRef idx="0">
-            <a:schemeClr val="dk1"/>
-          </a:lnRef>
-          <a:fillRef idx="3">
-            <a:schemeClr val="dk1"/>
-          </a:fillRef>
-          <a:effectRef idx="3">
-            <a:schemeClr val="dk1"/>
-          </a:effectRef>
-          <a:fontRef idx="minor">
-            <a:schemeClr val="lt1"/>
-          </a:fontRef>
-        </p:style>
-        <p:txBody>
-          <a:bodyPr wrap="square" rtlCol="0">
-            <a:spAutoFit/>
-          </a:bodyPr>
-          <a:lstStyle/>
-          <a:p>
-            <a:pPr algn="ctr"/>
-            <a:r>
-              <a:rPr lang="en-US" sz="1400" dirty="0">
-                <a:solidFill>
-                  <a:schemeClr val="tx1"/>
-                </a:solidFill>
-              </a:rPr>
-              <a:t>Automated tickets make up the majority of traffic tickets in DC</a:t>
-            </a:r>
-          </a:p>
-        </p:txBody>
-      </p:sp>
-    </p:spTree>
-    <p:extLst>
-      <p:ext uri="{BB962C8B-B14F-4D97-AF65-F5344CB8AC3E}">
-        <p14:creationId xmlns:p14="http://schemas.microsoft.com/office/powerpoint/2010/main" val="1714903774"/>
       </p:ext>
     </p:extLst>
   </p:cSld>
